--- a/Lecture3/Lecture3Ex.pptx
+++ b/Lecture3/Lecture3Ex.pptx
@@ -4445,6 +4445,13 @@
             <a:endParaRPr lang="en-US" dirty="0"/>
           </a:p>
           <a:p>
+            <a:pPr lvl="2"/>
+            <a:r>
+              <a:rPr lang="en-US" dirty="0"/>
+              <a:t>Examples of Twitter to File configs are available in the flume-confs folder</a:t>
+            </a:r>
+          </a:p>
+          <a:p>
             <a:pPr lvl="1"/>
             <a:r>
               <a:rPr lang="en-US" dirty="0"/>
@@ -4467,13 +4474,8 @@
             <a:pPr lvl="1"/>
             <a:r>
               <a:rPr lang="en-US" dirty="0"/>
-              <a:t>Consider using the Kafka cluster from today, remember </a:t>
-            </a:r>
-            <a:r>
-              <a:rPr lang="en-US"/>
-              <a:t>to network</a:t>
-            </a:r>
-            <a:endParaRPr lang="en-US" dirty="0"/>
+              <a:t>Consider using the Kafka cluster from today, remember to network</a:t>
+            </a:r>
           </a:p>
           <a:p>
             <a:pPr lvl="1"/>
